--- a/presentations/2021-03 Webinars/2021-03 Jira Balloting.pptx
+++ b/presentations/2021-03 Webinars/2021-03 Jira Balloting.pptx
@@ -316,7 +316,7 @@
             <a:fld id="{1BCE7D1B-E2D6-42EC-A46F-6B8D8AB722EA}" type="datetime1">
               <a:rPr lang="en-US" altLang="en-US"/>
               <a:pPr/>
-              <a:t>3/1/2021</a:t>
+              <a:t>3/2/2021</a:t>
             </a:fld>
             <a:endParaRPr lang="en-US" altLang="en-US"/>
           </a:p>
@@ -547,7 +547,7 @@
             <a:fld id="{60D4D74E-7671-46E5-9A5B-14F31A4C0D2E}" type="datetime1">
               <a:rPr lang="en-US" altLang="en-US"/>
               <a:pPr/>
-              <a:t>3/1/2021</a:t>
+              <a:t>3/2/2021</a:t>
             </a:fld>
             <a:endParaRPr lang="en-US" altLang="en-US"/>
           </a:p>

--- a/presentations/2021-03 Webinars/2021-03 Jira Balloting.pptx
+++ b/presentations/2021-03 Webinars/2021-03 Jira Balloting.pptx
@@ -12137,7 +12137,12 @@
             <p:ph type="subTitle" idx="1"/>
           </p:nvPr>
         </p:nvSpPr>
-        <p:spPr/>
+        <p:spPr>
+          <a:xfrm>
+            <a:off x="1181100" y="2287197"/>
+            <a:ext cx="4668695" cy="877213"/>
+          </a:xfrm>
+        </p:spPr>
         <p:txBody>
           <a:bodyPr/>
           <a:lstStyle/>
@@ -27430,7 +27435,15 @@
             <a:pPr lvl="1"/>
             <a:r>
               <a:rPr lang="en-CA" dirty="0"/>
-              <a:t>Issue is tied to one of the artifacts/pages coved by the ballot</a:t>
+              <a:t>Issue is tied to one of the artifacts/</a:t>
+            </a:r>
+            <a:r>
+              <a:rPr lang="en-CA"/>
+              <a:t>pages covered </a:t>
+            </a:r>
+            <a:r>
+              <a:rPr lang="en-CA" dirty="0"/>
+              <a:t>by the ballot</a:t>
             </a:r>
           </a:p>
           <a:p>
